--- a/docs/pyxbar.pptx
+++ b/docs/pyxbar.pptx
@@ -165,6 +165,35 @@
     </p:ext>
   </p:extLst>
 </p:presentation>
+</file>
+
+<file path=ppt/changesInfos/changesInfo1.xml><?xml version="1.0" encoding="utf-8"?>
+<pc:chgInfo xmlns:a="http://schemas.openxmlformats.org/drawingml/2006/main" xmlns:r="http://schemas.openxmlformats.org/officeDocument/2006/relationships" xmlns:ac="http://schemas.microsoft.com/office/drawing/2013/main/command" xmlns:pc="http://schemas.microsoft.com/office/powerpoint/2013/main/command">
+  <pc:docChgLst>
+    <pc:chgData name="Akash Levy" userId="0f662538-7453-45f3-952a-fc9f1a7c515e" providerId="ADAL" clId="{CB33008B-5DF9-C84A-A3AC-DB36E3443058}"/>
+    <pc:docChg chg="modSld">
+      <pc:chgData name="Akash Levy" userId="0f662538-7453-45f3-952a-fc9f1a7c515e" providerId="ADAL" clId="{CB33008B-5DF9-C84A-A3AC-DB36E3443058}" dt="2019-10-24T20:33:16.909" v="0" actId="20577"/>
+      <pc:docMkLst>
+        <pc:docMk/>
+      </pc:docMkLst>
+      <pc:sldChg chg="modSp">
+        <pc:chgData name="Akash Levy" userId="0f662538-7453-45f3-952a-fc9f1a7c515e" providerId="ADAL" clId="{CB33008B-5DF9-C84A-A3AC-DB36E3443058}" dt="2019-10-24T20:33:16.909" v="0" actId="20577"/>
+        <pc:sldMkLst>
+          <pc:docMk/>
+          <pc:sldMk cId="703753225" sldId="317"/>
+        </pc:sldMkLst>
+        <pc:spChg chg="mod">
+          <ac:chgData name="Akash Levy" userId="0f662538-7453-45f3-952a-fc9f1a7c515e" providerId="ADAL" clId="{CB33008B-5DF9-C84A-A3AC-DB36E3443058}" dt="2019-10-24T20:33:16.909" v="0" actId="20577"/>
+          <ac:spMkLst>
+            <pc:docMk/>
+            <pc:sldMk cId="703753225" sldId="317"/>
+            <ac:spMk id="2" creationId="{0D34F1C0-40F1-A04A-9B7B-E6DC11F1C645}"/>
+          </ac:spMkLst>
+        </pc:spChg>
+      </pc:sldChg>
+    </pc:docChg>
+  </pc:docChgLst>
+</pc:chgInfo>
 </file>
 
 <file path=ppt/charts/chart1.xml><?xml version="1.0" encoding="utf-8"?>
@@ -6896,14 +6925,14 @@
           </a:ln>
           <a:extLst>
             <a:ext uri="{909E8E84-426E-40dd-AFC4-6F175D3DCCD1}">
-              <a14:hiddenFill xmlns="" xmlns:a14="http://schemas.microsoft.com/office/drawing/2010/main">
+              <a14:hiddenFill xmlns:a14="http://schemas.microsoft.com/office/drawing/2010/main" xmlns="">
                 <a:solidFill>
                   <a:srgbClr val="FFFFFF"/>
                 </a:solidFill>
               </a14:hiddenFill>
             </a:ext>
             <a:ext uri="{91240B29-F687-4f45-9708-019B960494DF}">
-              <a14:hiddenLine xmlns="" xmlns:a14="http://schemas.microsoft.com/office/drawing/2010/main" w="9525">
+              <a14:hiddenLine xmlns:a14="http://schemas.microsoft.com/office/drawing/2010/main" xmlns="" w="9525">
                 <a:solidFill>
                   <a:srgbClr val="000000"/>
                 </a:solidFill>
@@ -7277,14 +7306,14 @@
           </a:ln>
           <a:extLst>
             <a:ext uri="{909E8E84-426E-40dd-AFC4-6F175D3DCCD1}">
-              <a14:hiddenFill xmlns="" xmlns:a14="http://schemas.microsoft.com/office/drawing/2010/main">
+              <a14:hiddenFill xmlns:a14="http://schemas.microsoft.com/office/drawing/2010/main" xmlns="">
                 <a:solidFill>
                   <a:srgbClr val="FFFFFF"/>
                 </a:solidFill>
               </a14:hiddenFill>
             </a:ext>
             <a:ext uri="{91240B29-F687-4f45-9708-019B960494DF}">
-              <a14:hiddenLine xmlns="" xmlns:a14="http://schemas.microsoft.com/office/drawing/2010/main" w="9525">
+              <a14:hiddenLine xmlns:a14="http://schemas.microsoft.com/office/drawing/2010/main" xmlns="" w="9525">
                 <a:solidFill>
                   <a:srgbClr val="000000"/>
                 </a:solidFill>
@@ -8850,14 +8879,14 @@
           </a:ln>
           <a:extLst>
             <a:ext uri="{909E8E84-426E-40dd-AFC4-6F175D3DCCD1}">
-              <a14:hiddenFill xmlns="" xmlns:a14="http://schemas.microsoft.com/office/drawing/2010/main">
+              <a14:hiddenFill xmlns:a14="http://schemas.microsoft.com/office/drawing/2010/main" xmlns="">
                 <a:solidFill>
                   <a:srgbClr val="FFFFFF"/>
                 </a:solidFill>
               </a14:hiddenFill>
             </a:ext>
             <a:ext uri="{91240B29-F687-4f45-9708-019B960494DF}">
-              <a14:hiddenLine xmlns="" xmlns:a14="http://schemas.microsoft.com/office/drawing/2010/main" w="9525">
+              <a14:hiddenLine xmlns:a14="http://schemas.microsoft.com/office/drawing/2010/main" xmlns="" w="9525">
                 <a:solidFill>
                   <a:srgbClr val="000000"/>
                 </a:solidFill>
@@ -10545,14 +10574,14 @@
           </a:ln>
           <a:extLst>
             <a:ext uri="{909E8E84-426E-40dd-AFC4-6F175D3DCCD1}">
-              <a14:hiddenFill xmlns="" xmlns:a14="http://schemas.microsoft.com/office/drawing/2010/main">
+              <a14:hiddenFill xmlns:a14="http://schemas.microsoft.com/office/drawing/2010/main" xmlns="">
                 <a:solidFill>
                   <a:srgbClr val="FFFFFF"/>
                 </a:solidFill>
               </a14:hiddenFill>
             </a:ext>
             <a:ext uri="{91240B29-F687-4f45-9708-019B960494DF}">
-              <a14:hiddenLine xmlns="" xmlns:a14="http://schemas.microsoft.com/office/drawing/2010/main" w="9525">
+              <a14:hiddenLine xmlns:a14="http://schemas.microsoft.com/office/drawing/2010/main" xmlns="" w="9525">
                 <a:solidFill>
                   <a:srgbClr val="000000"/>
                 </a:solidFill>
@@ -11115,14 +11144,14 @@
           </a:ln>
           <a:extLst>
             <a:ext uri="{909E8E84-426E-40dd-AFC4-6F175D3DCCD1}">
-              <a14:hiddenFill xmlns="" xmlns:a14="http://schemas.microsoft.com/office/drawing/2010/main">
+              <a14:hiddenFill xmlns:a14="http://schemas.microsoft.com/office/drawing/2010/main" xmlns="">
                 <a:solidFill>
                   <a:srgbClr val="FFFFFF"/>
                 </a:solidFill>
               </a14:hiddenFill>
             </a:ext>
             <a:ext uri="{91240B29-F687-4f45-9708-019B960494DF}">
-              <a14:hiddenLine xmlns="" xmlns:a14="http://schemas.microsoft.com/office/drawing/2010/main" w="9525">
+              <a14:hiddenLine xmlns:a14="http://schemas.microsoft.com/office/drawing/2010/main" xmlns="" w="9525">
                 <a:solidFill>
                   <a:srgbClr val="000000"/>
                 </a:solidFill>
@@ -11905,14 +11934,14 @@
           </a:ln>
           <a:extLst>
             <a:ext uri="{909E8E84-426E-40dd-AFC4-6F175D3DCCD1}">
-              <a14:hiddenFill xmlns="" xmlns:a14="http://schemas.microsoft.com/office/drawing/2010/main">
+              <a14:hiddenFill xmlns:a14="http://schemas.microsoft.com/office/drawing/2010/main" xmlns="">
                 <a:solidFill>
                   <a:srgbClr val="FFFFFF"/>
                 </a:solidFill>
               </a14:hiddenFill>
             </a:ext>
             <a:ext uri="{91240B29-F687-4f45-9708-019B960494DF}">
-              <a14:hiddenLine xmlns="" xmlns:a14="http://schemas.microsoft.com/office/drawing/2010/main" w="9525">
+              <a14:hiddenLine xmlns:a14="http://schemas.microsoft.com/office/drawing/2010/main" xmlns="" w="9525">
                 <a:solidFill>
                   <a:srgbClr val="000000"/>
                 </a:solidFill>
@@ -16562,7 +16591,15 @@
           <a:p>
             <a:r>
               <a:rPr lang="en-US" dirty="0"/>
-              <a:t>Waveform Example (1R, 2x2, 4 flips)</a:t>
+              <a:t>Waveform </a:t>
+            </a:r>
+            <a:r>
+              <a:rPr lang="en-US"/>
+              <a:t>Example (2R</a:t>
+            </a:r>
+            <a:r>
+              <a:rPr lang="en-US" dirty="0"/>
+              <a:t>, 2x2, 4 flips)</a:t>
             </a:r>
           </a:p>
         </p:txBody>
